--- a/DBMS Project_ER Diagram and Schema.pptx
+++ b/DBMS Project_ER Diagram and Schema.pptx
@@ -244,7 +244,7 @@
           <a:p>
             <a:fld id="{1CA89160-FF16-4229-A8F5-3670DB2FE534}" type="datetimeFigureOut">
               <a:rPr lang="en-US" smtClean="0"/>
-              <a:t>7/26/2021</a:t>
+              <a:t>8/1/2021</a:t>
             </a:fld>
             <a:endParaRPr lang="en-US"/>
           </a:p>
@@ -414,7 +414,7 @@
           <a:p>
             <a:fld id="{1CA89160-FF16-4229-A8F5-3670DB2FE534}" type="datetimeFigureOut">
               <a:rPr lang="en-US" smtClean="0"/>
-              <a:t>7/26/2021</a:t>
+              <a:t>8/1/2021</a:t>
             </a:fld>
             <a:endParaRPr lang="en-US"/>
           </a:p>
@@ -594,7 +594,7 @@
           <a:p>
             <a:fld id="{1CA89160-FF16-4229-A8F5-3670DB2FE534}" type="datetimeFigureOut">
               <a:rPr lang="en-US" smtClean="0"/>
-              <a:t>7/26/2021</a:t>
+              <a:t>8/1/2021</a:t>
             </a:fld>
             <a:endParaRPr lang="en-US"/>
           </a:p>
@@ -764,7 +764,7 @@
           <a:p>
             <a:fld id="{1CA89160-FF16-4229-A8F5-3670DB2FE534}" type="datetimeFigureOut">
               <a:rPr lang="en-US" smtClean="0"/>
-              <a:t>7/26/2021</a:t>
+              <a:t>8/1/2021</a:t>
             </a:fld>
             <a:endParaRPr lang="en-US"/>
           </a:p>
@@ -1008,7 +1008,7 @@
           <a:p>
             <a:fld id="{1CA89160-FF16-4229-A8F5-3670DB2FE534}" type="datetimeFigureOut">
               <a:rPr lang="en-US" smtClean="0"/>
-              <a:t>7/26/2021</a:t>
+              <a:t>8/1/2021</a:t>
             </a:fld>
             <a:endParaRPr lang="en-US"/>
           </a:p>
@@ -1240,7 +1240,7 @@
           <a:p>
             <a:fld id="{1CA89160-FF16-4229-A8F5-3670DB2FE534}" type="datetimeFigureOut">
               <a:rPr lang="en-US" smtClean="0"/>
-              <a:t>7/26/2021</a:t>
+              <a:t>8/1/2021</a:t>
             </a:fld>
             <a:endParaRPr lang="en-US"/>
           </a:p>
@@ -1607,7 +1607,7 @@
           <a:p>
             <a:fld id="{1CA89160-FF16-4229-A8F5-3670DB2FE534}" type="datetimeFigureOut">
               <a:rPr lang="en-US" smtClean="0"/>
-              <a:t>7/26/2021</a:t>
+              <a:t>8/1/2021</a:t>
             </a:fld>
             <a:endParaRPr lang="en-US"/>
           </a:p>
@@ -1725,7 +1725,7 @@
           <a:p>
             <a:fld id="{1CA89160-FF16-4229-A8F5-3670DB2FE534}" type="datetimeFigureOut">
               <a:rPr lang="en-US" smtClean="0"/>
-              <a:t>7/26/2021</a:t>
+              <a:t>8/1/2021</a:t>
             </a:fld>
             <a:endParaRPr lang="en-US"/>
           </a:p>
@@ -1820,7 +1820,7 @@
           <a:p>
             <a:fld id="{1CA89160-FF16-4229-A8F5-3670DB2FE534}" type="datetimeFigureOut">
               <a:rPr lang="en-US" smtClean="0"/>
-              <a:t>7/26/2021</a:t>
+              <a:t>8/1/2021</a:t>
             </a:fld>
             <a:endParaRPr lang="en-US"/>
           </a:p>
@@ -2097,7 +2097,7 @@
           <a:p>
             <a:fld id="{1CA89160-FF16-4229-A8F5-3670DB2FE534}" type="datetimeFigureOut">
               <a:rPr lang="en-US" smtClean="0"/>
-              <a:t>7/26/2021</a:t>
+              <a:t>8/1/2021</a:t>
             </a:fld>
             <a:endParaRPr lang="en-US"/>
           </a:p>
@@ -2354,7 +2354,7 @@
           <a:p>
             <a:fld id="{1CA89160-FF16-4229-A8F5-3670DB2FE534}" type="datetimeFigureOut">
               <a:rPr lang="en-US" smtClean="0"/>
-              <a:t>7/26/2021</a:t>
+              <a:t>8/1/2021</a:t>
             </a:fld>
             <a:endParaRPr lang="en-US"/>
           </a:p>
@@ -2567,7 +2567,7 @@
           <a:p>
             <a:fld id="{1CA89160-FF16-4229-A8F5-3670DB2FE534}" type="datetimeFigureOut">
               <a:rPr lang="en-US" smtClean="0"/>
-              <a:t>7/26/2021</a:t>
+              <a:t>8/1/2021</a:t>
             </a:fld>
             <a:endParaRPr lang="en-US"/>
           </a:p>
@@ -2972,6 +2972,110 @@
           <a:chExt cx="0" cy="0"/>
         </a:xfrm>
       </p:grpSpPr>
+      <p:grpSp>
+        <p:nvGrpSpPr>
+          <p:cNvPr id="271" name="Group 270">
+            <a:extLst>
+              <a:ext uri="{FF2B5EF4-FFF2-40B4-BE49-F238E27FC236}">
+                <a16:creationId xmlns:a16="http://schemas.microsoft.com/office/drawing/2014/main" id="{07304F55-07F4-49AA-8A95-3A3763FB1898}"/>
+              </a:ext>
+            </a:extLst>
+          </p:cNvPr>
+          <p:cNvGrpSpPr/>
+          <p:nvPr/>
+        </p:nvGrpSpPr>
+        <p:grpSpPr>
+          <a:xfrm>
+            <a:off x="1743797" y="5541175"/>
+            <a:ext cx="837251" cy="453486"/>
+            <a:chOff x="264583" y="2238874"/>
+            <a:chExt cx="707709" cy="314236"/>
+          </a:xfrm>
+        </p:grpSpPr>
+        <p:sp>
+          <p:nvSpPr>
+            <p:cNvPr id="276" name="Oval 275">
+              <a:extLst>
+                <a:ext uri="{FF2B5EF4-FFF2-40B4-BE49-F238E27FC236}">
+                  <a16:creationId xmlns:a16="http://schemas.microsoft.com/office/drawing/2014/main" id="{0673B26B-2613-4188-8063-0D38BE892EC4}"/>
+                </a:ext>
+              </a:extLst>
+            </p:cNvPr>
+            <p:cNvSpPr/>
+            <p:nvPr/>
+          </p:nvSpPr>
+          <p:spPr>
+            <a:xfrm>
+              <a:off x="320842" y="2238874"/>
+              <a:ext cx="625632" cy="296947"/>
+            </a:xfrm>
+            <a:prstGeom prst="ellipse">
+              <a:avLst/>
+            </a:prstGeom>
+            <a:noFill/>
+          </p:spPr>
+          <p:style>
+            <a:lnRef idx="2">
+              <a:schemeClr val="accent1">
+                <a:shade val="50000"/>
+              </a:schemeClr>
+            </a:lnRef>
+            <a:fillRef idx="1">
+              <a:schemeClr val="accent1"/>
+            </a:fillRef>
+            <a:effectRef idx="0">
+              <a:schemeClr val="accent1"/>
+            </a:effectRef>
+            <a:fontRef idx="minor">
+              <a:schemeClr val="lt1"/>
+            </a:fontRef>
+          </p:style>
+          <p:txBody>
+            <a:bodyPr rtlCol="0" anchor="ctr"/>
+            <a:lstStyle/>
+            <a:p>
+              <a:pPr algn="ctr"/>
+              <a:endParaRPr lang="en-US"/>
+            </a:p>
+          </p:txBody>
+        </p:sp>
+        <p:sp>
+          <p:nvSpPr>
+            <p:cNvPr id="290" name="TextBox 289">
+              <a:extLst>
+                <a:ext uri="{FF2B5EF4-FFF2-40B4-BE49-F238E27FC236}">
+                  <a16:creationId xmlns:a16="http://schemas.microsoft.com/office/drawing/2014/main" id="{AC516F28-872D-4064-AF28-334AAECE9B7C}"/>
+                </a:ext>
+              </a:extLst>
+            </p:cNvPr>
+            <p:cNvSpPr txBox="1"/>
+            <p:nvPr/>
+          </p:nvSpPr>
+          <p:spPr>
+            <a:xfrm>
+              <a:off x="264583" y="2254533"/>
+              <a:ext cx="707709" cy="298577"/>
+            </a:xfrm>
+            <a:prstGeom prst="rect">
+              <a:avLst/>
+            </a:prstGeom>
+            <a:noFill/>
+          </p:spPr>
+          <p:txBody>
+            <a:bodyPr wrap="square" rtlCol="0">
+              <a:spAutoFit/>
+            </a:bodyPr>
+            <a:lstStyle/>
+            <a:p>
+              <a:pPr algn="ctr"/>
+              <a:r>
+                <a:rPr lang="en-US" sz="1100" dirty="0"/>
+                <a:t>Comment Date</a:t>
+              </a:r>
+            </a:p>
+          </p:txBody>
+        </p:sp>
+      </p:grpSp>
       <p:sp>
         <p:nvSpPr>
           <p:cNvPr id="278" name="TextBox 277">
@@ -9234,8 +9338,8 @@
         </p:nvGrpSpPr>
         <p:grpSpPr>
           <a:xfrm>
-            <a:off x="1743798" y="5026093"/>
-            <a:ext cx="837251" cy="446546"/>
+            <a:off x="1743798" y="4858410"/>
+            <a:ext cx="837251" cy="614229"/>
             <a:chOff x="264583" y="2238874"/>
             <a:chExt cx="707709" cy="446546"/>
           </a:xfrm>
@@ -9318,7 +9422,7 @@
               <a:pPr algn="ctr"/>
               <a:r>
                 <a:rPr lang="en-US" sz="1100" dirty="0"/>
-                <a:t>Case Time</a:t>
+                <a:t>Comment Time</a:t>
               </a:r>
             </a:p>
           </p:txBody>
@@ -9429,110 +9533,6 @@
           </p:txBody>
         </p:sp>
       </p:grpSp>
-      <p:grpSp>
-        <p:nvGrpSpPr>
-          <p:cNvPr id="321" name="Group 320">
-            <a:extLst>
-              <a:ext uri="{FF2B5EF4-FFF2-40B4-BE49-F238E27FC236}">
-                <a16:creationId xmlns:a16="http://schemas.microsoft.com/office/drawing/2014/main" id="{21BDC97D-113C-4E2B-B428-EDE5DC3D2274}"/>
-              </a:ext>
-            </a:extLst>
-          </p:cNvPr>
-          <p:cNvGrpSpPr/>
-          <p:nvPr/>
-        </p:nvGrpSpPr>
-        <p:grpSpPr>
-          <a:xfrm>
-            <a:off x="1712834" y="5540885"/>
-            <a:ext cx="931037" cy="856564"/>
-            <a:chOff x="320842" y="2235272"/>
-            <a:chExt cx="625632" cy="600164"/>
-          </a:xfrm>
-        </p:grpSpPr>
-        <p:sp>
-          <p:nvSpPr>
-            <p:cNvPr id="322" name="Oval 321">
-              <a:extLst>
-                <a:ext uri="{FF2B5EF4-FFF2-40B4-BE49-F238E27FC236}">
-                  <a16:creationId xmlns:a16="http://schemas.microsoft.com/office/drawing/2014/main" id="{B5333AD7-5B88-44D4-9FCA-63D00301119A}"/>
-                </a:ext>
-              </a:extLst>
-            </p:cNvPr>
-            <p:cNvSpPr/>
-            <p:nvPr/>
-          </p:nvSpPr>
-          <p:spPr>
-            <a:xfrm>
-              <a:off x="320842" y="2238874"/>
-              <a:ext cx="625632" cy="296947"/>
-            </a:xfrm>
-            <a:prstGeom prst="ellipse">
-              <a:avLst/>
-            </a:prstGeom>
-            <a:noFill/>
-          </p:spPr>
-          <p:style>
-            <a:lnRef idx="2">
-              <a:schemeClr val="accent1">
-                <a:shade val="50000"/>
-              </a:schemeClr>
-            </a:lnRef>
-            <a:fillRef idx="1">
-              <a:schemeClr val="accent1"/>
-            </a:fillRef>
-            <a:effectRef idx="0">
-              <a:schemeClr val="accent1"/>
-            </a:effectRef>
-            <a:fontRef idx="minor">
-              <a:schemeClr val="lt1"/>
-            </a:fontRef>
-          </p:style>
-          <p:txBody>
-            <a:bodyPr rtlCol="0" anchor="ctr"/>
-            <a:lstStyle/>
-            <a:p>
-              <a:pPr algn="ctr"/>
-              <a:endParaRPr lang="en-US"/>
-            </a:p>
-          </p:txBody>
-        </p:sp>
-        <p:sp>
-          <p:nvSpPr>
-            <p:cNvPr id="323" name="TextBox 322">
-              <a:extLst>
-                <a:ext uri="{FF2B5EF4-FFF2-40B4-BE49-F238E27FC236}">
-                  <a16:creationId xmlns:a16="http://schemas.microsoft.com/office/drawing/2014/main" id="{FE12640F-B3B2-48BE-A1F7-31D7220BDD8D}"/>
-                </a:ext>
-              </a:extLst>
-            </p:cNvPr>
-            <p:cNvSpPr txBox="1"/>
-            <p:nvPr/>
-          </p:nvSpPr>
-          <p:spPr>
-            <a:xfrm>
-              <a:off x="336378" y="2235272"/>
-              <a:ext cx="594558" cy="600164"/>
-            </a:xfrm>
-            <a:prstGeom prst="rect">
-              <a:avLst/>
-            </a:prstGeom>
-            <a:noFill/>
-          </p:spPr>
-          <p:txBody>
-            <a:bodyPr wrap="square" rtlCol="0">
-              <a:spAutoFit/>
-            </a:bodyPr>
-            <a:lstStyle/>
-            <a:p>
-              <a:pPr algn="ctr"/>
-              <a:r>
-                <a:rPr lang="en-US" sz="1100" dirty="0"/>
-                <a:t>Case Comment</a:t>
-              </a:r>
-            </a:p>
-          </p:txBody>
-        </p:sp>
-      </p:grpSp>
       <p:cxnSp>
         <p:nvCxnSpPr>
           <p:cNvPr id="324" name="Straight Connector 323">
@@ -9583,15 +9583,16 @@
             </a:extLst>
           </p:cNvPr>
           <p:cNvCxnSpPr>
+            <a:cxnSpLocks/>
             <a:stCxn id="316" idx="4"/>
-            <a:endCxn id="323" idx="0"/>
+            <a:endCxn id="276" idx="0"/>
           </p:cNvCxnSpPr>
           <p:nvPr/>
         </p:nvCxnSpPr>
         <p:spPr>
           <a:xfrm flipH="1">
-            <a:off x="2178351" y="5323040"/>
-            <a:ext cx="2079" cy="217845"/>
+            <a:off x="2180429" y="5266864"/>
+            <a:ext cx="1" cy="274308"/>
           </a:xfrm>
           <a:prstGeom prst="line">
             <a:avLst/>
@@ -9622,14 +9623,14 @@
             </a:extLst>
           </p:cNvPr>
           <p:cNvCxnSpPr>
-            <a:stCxn id="5" idx="1"/>
+            <a:cxnSpLocks/>
           </p:cNvCxnSpPr>
           <p:nvPr/>
         </p:nvCxnSpPr>
         <p:spPr>
-          <a:xfrm flipH="1">
-            <a:off x="1346543" y="5410199"/>
-            <a:ext cx="1331487" cy="4012"/>
+          <a:xfrm flipH="1" flipV="1">
+            <a:off x="1062682" y="5403691"/>
+            <a:ext cx="1599306" cy="6508"/>
           </a:xfrm>
           <a:prstGeom prst="line">
             <a:avLst/>
@@ -11667,6 +11668,110 @@
           </a:fontRef>
         </p:style>
       </p:cxnSp>
+      <p:grpSp>
+        <p:nvGrpSpPr>
+          <p:cNvPr id="291" name="Group 290">
+            <a:extLst>
+              <a:ext uri="{FF2B5EF4-FFF2-40B4-BE49-F238E27FC236}">
+                <a16:creationId xmlns:a16="http://schemas.microsoft.com/office/drawing/2014/main" id="{E757BABC-5E70-4CCD-B438-310DD2308326}"/>
+              </a:ext>
+            </a:extLst>
+          </p:cNvPr>
+          <p:cNvGrpSpPr/>
+          <p:nvPr/>
+        </p:nvGrpSpPr>
+        <p:grpSpPr>
+          <a:xfrm>
+            <a:off x="241473" y="5188247"/>
+            <a:ext cx="837251" cy="453997"/>
+            <a:chOff x="264583" y="2221231"/>
+            <a:chExt cx="707709" cy="314590"/>
+          </a:xfrm>
+        </p:grpSpPr>
+        <p:sp>
+          <p:nvSpPr>
+            <p:cNvPr id="292" name="Oval 291">
+              <a:extLst>
+                <a:ext uri="{FF2B5EF4-FFF2-40B4-BE49-F238E27FC236}">
+                  <a16:creationId xmlns:a16="http://schemas.microsoft.com/office/drawing/2014/main" id="{3104F0E2-92FC-45E8-919E-07B57BB0CAE5}"/>
+                </a:ext>
+              </a:extLst>
+            </p:cNvPr>
+            <p:cNvSpPr/>
+            <p:nvPr/>
+          </p:nvSpPr>
+          <p:spPr>
+            <a:xfrm>
+              <a:off x="320842" y="2238874"/>
+              <a:ext cx="625632" cy="296947"/>
+            </a:xfrm>
+            <a:prstGeom prst="ellipse">
+              <a:avLst/>
+            </a:prstGeom>
+            <a:noFill/>
+          </p:spPr>
+          <p:style>
+            <a:lnRef idx="2">
+              <a:schemeClr val="accent1">
+                <a:shade val="50000"/>
+              </a:schemeClr>
+            </a:lnRef>
+            <a:fillRef idx="1">
+              <a:schemeClr val="accent1"/>
+            </a:fillRef>
+            <a:effectRef idx="0">
+              <a:schemeClr val="accent1"/>
+            </a:effectRef>
+            <a:fontRef idx="minor">
+              <a:schemeClr val="lt1"/>
+            </a:fontRef>
+          </p:style>
+          <p:txBody>
+            <a:bodyPr rtlCol="0" anchor="ctr"/>
+            <a:lstStyle/>
+            <a:p>
+              <a:pPr algn="ctr"/>
+              <a:endParaRPr lang="en-US"/>
+            </a:p>
+          </p:txBody>
+        </p:sp>
+        <p:sp>
+          <p:nvSpPr>
+            <p:cNvPr id="294" name="TextBox 293">
+              <a:extLst>
+                <a:ext uri="{FF2B5EF4-FFF2-40B4-BE49-F238E27FC236}">
+                  <a16:creationId xmlns:a16="http://schemas.microsoft.com/office/drawing/2014/main" id="{FE3B3FC3-4A0E-4491-B063-A1469F859C4D}"/>
+                </a:ext>
+              </a:extLst>
+            </p:cNvPr>
+            <p:cNvSpPr txBox="1"/>
+            <p:nvPr/>
+          </p:nvSpPr>
+          <p:spPr>
+            <a:xfrm>
+              <a:off x="264583" y="2221231"/>
+              <a:ext cx="707709" cy="298576"/>
+            </a:xfrm>
+            <a:prstGeom prst="rect">
+              <a:avLst/>
+            </a:prstGeom>
+            <a:noFill/>
+          </p:spPr>
+          <p:txBody>
+            <a:bodyPr wrap="square" rtlCol="0">
+              <a:spAutoFit/>
+            </a:bodyPr>
+            <a:lstStyle/>
+            <a:p>
+              <a:pPr algn="ctr"/>
+              <a:r>
+                <a:rPr lang="en-US" sz="1100" dirty="0"/>
+                <a:t>Case Comment</a:t>
+              </a:r>
+            </a:p>
+          </p:txBody>
+        </p:sp>
+      </p:grpSp>
     </p:spTree>
     <p:extLst>
       <p:ext uri="{BB962C8B-B14F-4D97-AF65-F5344CB8AC3E}">
@@ -11699,32 +11804,49 @@
       </p:grpSpPr>
       <p:pic>
         <p:nvPicPr>
-          <p:cNvPr id="7" name="Picture 6">
-            <a:extLst>
-              <a:ext uri="{FF2B5EF4-FFF2-40B4-BE49-F238E27FC236}">
-                <a16:creationId xmlns:a16="http://schemas.microsoft.com/office/drawing/2014/main" id="{B8F0F51F-3C5C-4AFB-834A-D99E743CEC99}"/>
+          <p:cNvPr id="1026" name="Picture 2">
+            <a:extLst>
+              <a:ext uri="{FF2B5EF4-FFF2-40B4-BE49-F238E27FC236}">
+                <a16:creationId xmlns:a16="http://schemas.microsoft.com/office/drawing/2014/main" id="{77FB251F-2165-456C-87B0-4D31BF9CD0D9}"/>
               </a:ext>
             </a:extLst>
           </p:cNvPr>
           <p:cNvPicPr>
-            <a:picLocks noChangeAspect="1"/>
+            <a:picLocks noChangeAspect="1" noChangeArrowheads="1"/>
           </p:cNvPicPr>
           <p:nvPr/>
         </p:nvPicPr>
         <p:blipFill>
-          <a:blip r:embed="rId2"/>
+          <a:blip r:embed="rId2">
+            <a:extLst>
+              <a:ext uri="{28A0092B-C50C-407E-A947-70E740481C1C}">
+                <a14:useLocalDpi xmlns:a14="http://schemas.microsoft.com/office/drawing/2010/main" val="0"/>
+              </a:ext>
+            </a:extLst>
+          </a:blip>
+          <a:srcRect/>
           <a:stretch>
             <a:fillRect/>
           </a:stretch>
         </p:blipFill>
-        <p:spPr>
-          <a:xfrm>
-            <a:off x="1058954" y="576826"/>
-            <a:ext cx="7226794" cy="5880122"/>
+        <p:spPr bwMode="auto">
+          <a:xfrm>
+            <a:off x="1243013" y="762000"/>
+            <a:ext cx="6657975" cy="5334000"/>
           </a:xfrm>
           <a:prstGeom prst="rect">
             <a:avLst/>
           </a:prstGeom>
+          <a:noFill/>
+          <a:extLst>
+            <a:ext uri="{909E8E84-426E-40DD-AFC4-6F175D3DCCD1}">
+              <a14:hiddenFill xmlns:a14="http://schemas.microsoft.com/office/drawing/2010/main">
+                <a:solidFill>
+                  <a:srgbClr val="FFFFFF"/>
+                </a:solidFill>
+              </a14:hiddenFill>
+            </a:ext>
+          </a:extLst>
         </p:spPr>
       </p:pic>
     </p:spTree>

--- a/DBMS Project_ER Diagram and Schema.pptx
+++ b/DBMS Project_ER Diagram and Schema.pptx
@@ -244,7 +244,7 @@
           <a:p>
             <a:fld id="{1CA89160-FF16-4229-A8F5-3670DB2FE534}" type="datetimeFigureOut">
               <a:rPr lang="en-US" smtClean="0"/>
-              <a:t>8/1/2021</a:t>
+              <a:t>8/3/2021</a:t>
             </a:fld>
             <a:endParaRPr lang="en-US"/>
           </a:p>
@@ -414,7 +414,7 @@
           <a:p>
             <a:fld id="{1CA89160-FF16-4229-A8F5-3670DB2FE534}" type="datetimeFigureOut">
               <a:rPr lang="en-US" smtClean="0"/>
-              <a:t>8/1/2021</a:t>
+              <a:t>8/3/2021</a:t>
             </a:fld>
             <a:endParaRPr lang="en-US"/>
           </a:p>
@@ -594,7 +594,7 @@
           <a:p>
             <a:fld id="{1CA89160-FF16-4229-A8F5-3670DB2FE534}" type="datetimeFigureOut">
               <a:rPr lang="en-US" smtClean="0"/>
-              <a:t>8/1/2021</a:t>
+              <a:t>8/3/2021</a:t>
             </a:fld>
             <a:endParaRPr lang="en-US"/>
           </a:p>
@@ -764,7 +764,7 @@
           <a:p>
             <a:fld id="{1CA89160-FF16-4229-A8F5-3670DB2FE534}" type="datetimeFigureOut">
               <a:rPr lang="en-US" smtClean="0"/>
-              <a:t>8/1/2021</a:t>
+              <a:t>8/3/2021</a:t>
             </a:fld>
             <a:endParaRPr lang="en-US"/>
           </a:p>
@@ -1008,7 +1008,7 @@
           <a:p>
             <a:fld id="{1CA89160-FF16-4229-A8F5-3670DB2FE534}" type="datetimeFigureOut">
               <a:rPr lang="en-US" smtClean="0"/>
-              <a:t>8/1/2021</a:t>
+              <a:t>8/3/2021</a:t>
             </a:fld>
             <a:endParaRPr lang="en-US"/>
           </a:p>
@@ -1240,7 +1240,7 @@
           <a:p>
             <a:fld id="{1CA89160-FF16-4229-A8F5-3670DB2FE534}" type="datetimeFigureOut">
               <a:rPr lang="en-US" smtClean="0"/>
-              <a:t>8/1/2021</a:t>
+              <a:t>8/3/2021</a:t>
             </a:fld>
             <a:endParaRPr lang="en-US"/>
           </a:p>
@@ -1607,7 +1607,7 @@
           <a:p>
             <a:fld id="{1CA89160-FF16-4229-A8F5-3670DB2FE534}" type="datetimeFigureOut">
               <a:rPr lang="en-US" smtClean="0"/>
-              <a:t>8/1/2021</a:t>
+              <a:t>8/3/2021</a:t>
             </a:fld>
             <a:endParaRPr lang="en-US"/>
           </a:p>
@@ -1725,7 +1725,7 @@
           <a:p>
             <a:fld id="{1CA89160-FF16-4229-A8F5-3670DB2FE534}" type="datetimeFigureOut">
               <a:rPr lang="en-US" smtClean="0"/>
-              <a:t>8/1/2021</a:t>
+              <a:t>8/3/2021</a:t>
             </a:fld>
             <a:endParaRPr lang="en-US"/>
           </a:p>
@@ -1820,7 +1820,7 @@
           <a:p>
             <a:fld id="{1CA89160-FF16-4229-A8F5-3670DB2FE534}" type="datetimeFigureOut">
               <a:rPr lang="en-US" smtClean="0"/>
-              <a:t>8/1/2021</a:t>
+              <a:t>8/3/2021</a:t>
             </a:fld>
             <a:endParaRPr lang="en-US"/>
           </a:p>
@@ -2097,7 +2097,7 @@
           <a:p>
             <a:fld id="{1CA89160-FF16-4229-A8F5-3670DB2FE534}" type="datetimeFigureOut">
               <a:rPr lang="en-US" smtClean="0"/>
-              <a:t>8/1/2021</a:t>
+              <a:t>8/3/2021</a:t>
             </a:fld>
             <a:endParaRPr lang="en-US"/>
           </a:p>
@@ -2354,7 +2354,7 @@
           <a:p>
             <a:fld id="{1CA89160-FF16-4229-A8F5-3670DB2FE534}" type="datetimeFigureOut">
               <a:rPr lang="en-US" smtClean="0"/>
-              <a:t>8/1/2021</a:t>
+              <a:t>8/3/2021</a:t>
             </a:fld>
             <a:endParaRPr lang="en-US"/>
           </a:p>
@@ -2567,7 +2567,7 @@
           <a:p>
             <a:fld id="{1CA89160-FF16-4229-A8F5-3670DB2FE534}" type="datetimeFigureOut">
               <a:rPr lang="en-US" smtClean="0"/>
-              <a:t>8/1/2021</a:t>
+              <a:t>8/3/2021</a:t>
             </a:fld>
             <a:endParaRPr lang="en-US"/>
           </a:p>
@@ -2986,7 +2986,7 @@
         </p:nvGrpSpPr>
         <p:grpSpPr>
           <a:xfrm>
-            <a:off x="1743797" y="5541175"/>
+            <a:off x="1743797" y="5645448"/>
             <a:ext cx="837251" cy="453486"/>
             <a:chOff x="264583" y="2238874"/>
             <a:chExt cx="707709" cy="314236"/>
@@ -3090,7 +3090,7 @@
         </p:nvSpPr>
         <p:spPr>
           <a:xfrm>
-            <a:off x="3764150" y="3485143"/>
+            <a:off x="3764150" y="3589416"/>
             <a:ext cx="465238" cy="276999"/>
           </a:xfrm>
           <a:prstGeom prst="rect">
@@ -3126,7 +3126,7 @@
         </p:nvSpPr>
         <p:spPr>
           <a:xfrm>
-            <a:off x="3378095" y="4968757"/>
+            <a:off x="3378095" y="5073030"/>
             <a:ext cx="465238" cy="276999"/>
           </a:xfrm>
           <a:prstGeom prst="rect">
@@ -3162,7 +3162,7 @@
         </p:nvSpPr>
         <p:spPr>
           <a:xfrm>
-            <a:off x="4247093" y="4602199"/>
+            <a:off x="4247093" y="4706472"/>
             <a:ext cx="465238" cy="276999"/>
           </a:xfrm>
           <a:prstGeom prst="rect">
@@ -3198,7 +3198,7 @@
         </p:nvGrpSpPr>
         <p:grpSpPr>
           <a:xfrm>
-            <a:off x="6007779" y="2702881"/>
+            <a:off x="6007779" y="2807154"/>
             <a:ext cx="985592" cy="296947"/>
             <a:chOff x="236245" y="2238874"/>
             <a:chExt cx="823780" cy="296947"/>
@@ -3302,7 +3302,7 @@
         </p:nvSpPr>
         <p:spPr>
           <a:xfrm>
-            <a:off x="713875" y="2462455"/>
+            <a:off x="713875" y="2566728"/>
             <a:ext cx="1130968" cy="417095"/>
           </a:xfrm>
           <a:prstGeom prst="rect">
@@ -3358,7 +3358,7 @@
         </p:nvSpPr>
         <p:spPr>
           <a:xfrm>
-            <a:off x="2678030" y="5201651"/>
+            <a:off x="2678030" y="5305924"/>
             <a:ext cx="1588166" cy="417095"/>
           </a:xfrm>
           <a:prstGeom prst="rect">
@@ -3421,7 +3421,7 @@
         </p:nvSpPr>
         <p:spPr>
           <a:xfrm>
-            <a:off x="4608094" y="4439646"/>
+            <a:off x="4608094" y="4543919"/>
             <a:ext cx="1130968" cy="417095"/>
           </a:xfrm>
           <a:prstGeom prst="rect">
@@ -3477,7 +3477,7 @@
         </p:nvSpPr>
         <p:spPr>
           <a:xfrm>
-            <a:off x="4612103" y="6075941"/>
+            <a:off x="4612103" y="6180214"/>
             <a:ext cx="1130968" cy="417095"/>
           </a:xfrm>
           <a:prstGeom prst="rect">
@@ -3533,7 +3533,7 @@
         </p:nvSpPr>
         <p:spPr>
           <a:xfrm>
-            <a:off x="4608094" y="2462455"/>
+            <a:off x="4608094" y="2566728"/>
             <a:ext cx="1130968" cy="417095"/>
           </a:xfrm>
           <a:prstGeom prst="rect">
@@ -3589,7 +3589,7 @@
         </p:nvSpPr>
         <p:spPr>
           <a:xfrm>
-            <a:off x="2611357" y="1652329"/>
+            <a:off x="2611357" y="1756602"/>
             <a:ext cx="1255293" cy="417095"/>
           </a:xfrm>
           <a:prstGeom prst="rect">
@@ -3645,7 +3645,7 @@
         </p:nvSpPr>
         <p:spPr>
           <a:xfrm>
-            <a:off x="7652114" y="3362818"/>
+            <a:off x="7652114" y="3467091"/>
             <a:ext cx="1187085" cy="417095"/>
           </a:xfrm>
           <a:prstGeom prst="rect">
@@ -3701,7 +3701,7 @@
         </p:nvSpPr>
         <p:spPr>
           <a:xfrm>
-            <a:off x="2598822" y="2426360"/>
+            <a:off x="2598822" y="2530633"/>
             <a:ext cx="1255293" cy="481263"/>
           </a:xfrm>
           <a:prstGeom prst="diamond">
@@ -3760,7 +3760,7 @@
         </p:nvCxnSpPr>
         <p:spPr>
           <a:xfrm flipV="1">
-            <a:off x="1844843" y="2666992"/>
+            <a:off x="1844843" y="2771265"/>
             <a:ext cx="753979" cy="4011"/>
           </a:xfrm>
           <a:prstGeom prst="line">
@@ -3799,7 +3799,7 @@
         </p:nvCxnSpPr>
         <p:spPr>
           <a:xfrm>
-            <a:off x="3854115" y="2666992"/>
+            <a:off x="3854115" y="2771265"/>
             <a:ext cx="753979" cy="4011"/>
           </a:xfrm>
           <a:prstGeom prst="line">
@@ -3835,7 +3835,7 @@
         </p:nvGrpSpPr>
         <p:grpSpPr>
           <a:xfrm>
-            <a:off x="4545929" y="3330735"/>
+            <a:off x="4545929" y="3435008"/>
             <a:ext cx="1255293" cy="481263"/>
             <a:chOff x="4483769" y="1820775"/>
             <a:chExt cx="1255293" cy="481263"/>
@@ -3953,7 +3953,7 @@
         </p:nvCxnSpPr>
         <p:spPr>
           <a:xfrm flipV="1">
-            <a:off x="5173576" y="2879550"/>
+            <a:off x="5173576" y="2983823"/>
             <a:ext cx="2" cy="451185"/>
           </a:xfrm>
           <a:prstGeom prst="line">
@@ -3992,7 +3992,7 @@
         </p:nvCxnSpPr>
         <p:spPr>
           <a:xfrm flipH="1" flipV="1">
-            <a:off x="5173576" y="3811998"/>
+            <a:off x="5173576" y="3916271"/>
             <a:ext cx="2" cy="627648"/>
           </a:xfrm>
           <a:prstGeom prst="line">
@@ -4028,7 +4028,7 @@
         </p:nvSpPr>
         <p:spPr>
           <a:xfrm>
-            <a:off x="4545930" y="5169568"/>
+            <a:off x="4545930" y="5273841"/>
             <a:ext cx="1255293" cy="481263"/>
           </a:xfrm>
           <a:prstGeom prst="diamond">
@@ -4087,7 +4087,7 @@
         </p:nvCxnSpPr>
         <p:spPr>
           <a:xfrm flipH="1" flipV="1">
-            <a:off x="5173577" y="5650831"/>
+            <a:off x="5173577" y="5755104"/>
             <a:ext cx="4010" cy="425110"/>
           </a:xfrm>
           <a:prstGeom prst="line">
@@ -4126,7 +4126,7 @@
         </p:nvCxnSpPr>
         <p:spPr>
           <a:xfrm flipV="1">
-            <a:off x="5173577" y="4856741"/>
+            <a:off x="5173577" y="4961014"/>
             <a:ext cx="1" cy="312827"/>
           </a:xfrm>
           <a:prstGeom prst="line">
@@ -4162,7 +4162,7 @@
         </p:nvSpPr>
         <p:spPr>
           <a:xfrm>
-            <a:off x="2844466" y="6043856"/>
+            <a:off x="2844466" y="6148129"/>
             <a:ext cx="1255293" cy="481263"/>
           </a:xfrm>
           <a:prstGeom prst="diamond">
@@ -4218,7 +4218,7 @@
         </p:nvGrpSpPr>
         <p:grpSpPr>
           <a:xfrm>
-            <a:off x="6099022" y="3330735"/>
+            <a:off x="6099022" y="3435008"/>
             <a:ext cx="1255293" cy="481263"/>
             <a:chOff x="4483769" y="1820775"/>
             <a:chExt cx="1255293" cy="481263"/>
@@ -4340,7 +4340,7 @@
         </p:nvGrpSpPr>
         <p:grpSpPr>
           <a:xfrm>
-            <a:off x="2844466" y="4407560"/>
+            <a:off x="2844466" y="4511833"/>
             <a:ext cx="1255293" cy="481263"/>
             <a:chOff x="4483769" y="1820775"/>
             <a:chExt cx="1255293" cy="481263"/>
@@ -4465,7 +4465,7 @@
         </p:nvCxnSpPr>
         <p:spPr>
           <a:xfrm flipV="1">
-            <a:off x="3472113" y="5618746"/>
+            <a:off x="3472113" y="5723019"/>
             <a:ext cx="0" cy="425110"/>
           </a:xfrm>
           <a:prstGeom prst="line">
@@ -4504,7 +4504,7 @@
         </p:nvCxnSpPr>
         <p:spPr>
           <a:xfrm flipV="1">
-            <a:off x="3472113" y="4888823"/>
+            <a:off x="3472113" y="4993096"/>
             <a:ext cx="0" cy="312828"/>
           </a:xfrm>
           <a:prstGeom prst="line">
@@ -4543,7 +4543,7 @@
         </p:nvCxnSpPr>
         <p:spPr>
           <a:xfrm>
-            <a:off x="4099759" y="4648192"/>
+            <a:off x="4099759" y="4752465"/>
             <a:ext cx="508335" cy="2"/>
           </a:xfrm>
           <a:prstGeom prst="line">
@@ -4582,7 +4582,7 @@
         </p:nvCxnSpPr>
         <p:spPr>
           <a:xfrm>
-            <a:off x="4099759" y="6284488"/>
+            <a:off x="4099759" y="6388761"/>
             <a:ext cx="512344" cy="1"/>
           </a:xfrm>
           <a:prstGeom prst="line">
@@ -4621,7 +4621,7 @@
         </p:nvCxnSpPr>
         <p:spPr>
           <a:xfrm flipV="1">
-            <a:off x="5724037" y="3571367"/>
+            <a:off x="5724037" y="3675640"/>
             <a:ext cx="374985" cy="861206"/>
           </a:xfrm>
           <a:prstGeom prst="line">
@@ -4661,7 +4661,7 @@
         </p:nvCxnSpPr>
         <p:spPr>
           <a:xfrm flipV="1">
-            <a:off x="7354315" y="3571366"/>
+            <a:off x="7354315" y="3675639"/>
             <a:ext cx="297799" cy="1"/>
           </a:xfrm>
           <a:prstGeom prst="line">
@@ -4697,7 +4697,7 @@
         </p:nvSpPr>
         <p:spPr>
           <a:xfrm>
-            <a:off x="4545929" y="1632282"/>
+            <a:off x="4545929" y="1736555"/>
             <a:ext cx="1255293" cy="481263"/>
           </a:xfrm>
           <a:prstGeom prst="diamond">
@@ -4753,7 +4753,7 @@
         </p:nvGrpSpPr>
         <p:grpSpPr>
           <a:xfrm>
-            <a:off x="651712" y="1638292"/>
+            <a:off x="651712" y="1742565"/>
             <a:ext cx="1255293" cy="481263"/>
             <a:chOff x="4483769" y="1820775"/>
             <a:chExt cx="1255293" cy="481263"/>
@@ -4872,7 +4872,7 @@
         </p:nvCxnSpPr>
         <p:spPr>
           <a:xfrm flipV="1">
-            <a:off x="1279359" y="2119555"/>
+            <a:off x="1279359" y="2223828"/>
             <a:ext cx="0" cy="342900"/>
           </a:xfrm>
           <a:prstGeom prst="line">
@@ -4911,7 +4911,7 @@
         </p:nvCxnSpPr>
         <p:spPr>
           <a:xfrm flipV="1">
-            <a:off x="1907005" y="1860877"/>
+            <a:off x="1907005" y="1965150"/>
             <a:ext cx="704352" cy="18047"/>
           </a:xfrm>
           <a:prstGeom prst="line">
@@ -4950,7 +4950,7 @@
         </p:nvCxnSpPr>
         <p:spPr>
           <a:xfrm>
-            <a:off x="3866650" y="1860877"/>
+            <a:off x="3866650" y="1965150"/>
             <a:ext cx="679279" cy="12037"/>
           </a:xfrm>
           <a:prstGeom prst="line">
@@ -4989,7 +4989,7 @@
         </p:nvCxnSpPr>
         <p:spPr>
           <a:xfrm>
-            <a:off x="5173576" y="2113545"/>
+            <a:off x="5173576" y="2217818"/>
             <a:ext cx="2" cy="348910"/>
           </a:xfrm>
           <a:prstGeom prst="line">
@@ -5025,7 +5025,7 @@
         </p:nvGrpSpPr>
         <p:grpSpPr>
           <a:xfrm>
-            <a:off x="304802" y="3008890"/>
+            <a:off x="304802" y="3113163"/>
             <a:ext cx="761050" cy="296947"/>
             <a:chOff x="240634" y="2238874"/>
             <a:chExt cx="761050" cy="296947"/>
@@ -5130,7 +5130,7 @@
         </p:nvGrpSpPr>
         <p:grpSpPr>
           <a:xfrm>
-            <a:off x="6096029" y="1846842"/>
+            <a:off x="6096029" y="1951115"/>
             <a:ext cx="625632" cy="296947"/>
             <a:chOff x="320842" y="2238874"/>
             <a:chExt cx="625632" cy="296947"/>
@@ -5234,7 +5234,7 @@
         </p:nvGrpSpPr>
         <p:grpSpPr>
           <a:xfrm>
-            <a:off x="385010" y="3432459"/>
+            <a:off x="385010" y="3536732"/>
             <a:ext cx="625632" cy="296947"/>
             <a:chOff x="320842" y="2238874"/>
             <a:chExt cx="625632" cy="296947"/>
@@ -5338,7 +5338,7 @@
         </p:nvGrpSpPr>
         <p:grpSpPr>
           <a:xfrm>
-            <a:off x="369472" y="3851014"/>
+            <a:off x="369472" y="3955287"/>
             <a:ext cx="625632" cy="296947"/>
             <a:chOff x="320842" y="2238874"/>
             <a:chExt cx="625632" cy="296947"/>
@@ -5442,7 +5442,7 @@
         </p:nvGrpSpPr>
         <p:grpSpPr>
           <a:xfrm>
-            <a:off x="369472" y="4269569"/>
+            <a:off x="369472" y="4373842"/>
             <a:ext cx="625632" cy="296947"/>
             <a:chOff x="320842" y="2238874"/>
             <a:chExt cx="625632" cy="296947"/>
@@ -5546,7 +5546,7 @@
         </p:nvGrpSpPr>
         <p:grpSpPr>
           <a:xfrm>
-            <a:off x="1448308" y="3012724"/>
+            <a:off x="1448308" y="3116997"/>
             <a:ext cx="625632" cy="296947"/>
             <a:chOff x="320842" y="2238874"/>
             <a:chExt cx="625632" cy="296947"/>
@@ -5650,7 +5650,7 @@
         </p:nvGrpSpPr>
         <p:grpSpPr>
           <a:xfrm>
-            <a:off x="1448308" y="3440480"/>
+            <a:off x="1448308" y="3544753"/>
             <a:ext cx="625632" cy="296947"/>
             <a:chOff x="320842" y="2238874"/>
             <a:chExt cx="625632" cy="296947"/>
@@ -5754,7 +5754,7 @@
         </p:nvGrpSpPr>
         <p:grpSpPr>
           <a:xfrm>
-            <a:off x="1413340" y="4231695"/>
+            <a:off x="1413340" y="4335968"/>
             <a:ext cx="1436846" cy="436337"/>
             <a:chOff x="314350" y="2238874"/>
             <a:chExt cx="637767" cy="314766"/>
@@ -5860,9 +5860,9 @@
           <p:nvPr/>
         </p:nvCxnSpPr>
         <p:spPr>
-          <a:xfrm flipH="1">
-            <a:off x="1279357" y="2879550"/>
-            <a:ext cx="2" cy="1553023"/>
+          <a:xfrm>
+            <a:off x="1279359" y="2983823"/>
+            <a:ext cx="1026" cy="1937484"/>
           </a:xfrm>
           <a:prstGeom prst="line">
             <a:avLst/>
@@ -5901,7 +5901,7 @@
         </p:nvCxnSpPr>
         <p:spPr>
           <a:xfrm>
-            <a:off x="1010642" y="3157364"/>
+            <a:off x="1010642" y="3261637"/>
             <a:ext cx="437666" cy="3834"/>
           </a:xfrm>
           <a:prstGeom prst="line">
@@ -5941,7 +5941,7 @@
         </p:nvCxnSpPr>
         <p:spPr>
           <a:xfrm flipH="1">
-            <a:off x="1010642" y="3578923"/>
+            <a:off x="1010642" y="3683196"/>
             <a:ext cx="453202" cy="2010"/>
           </a:xfrm>
           <a:prstGeom prst="line">
@@ -5977,7 +5977,7 @@
         </p:nvGrpSpPr>
         <p:grpSpPr>
           <a:xfrm>
-            <a:off x="6096029" y="2277886"/>
+            <a:off x="6096029" y="2382159"/>
             <a:ext cx="625632" cy="296947"/>
             <a:chOff x="320842" y="2238874"/>
             <a:chExt cx="625632" cy="296947"/>
@@ -6083,7 +6083,7 @@
         </p:nvCxnSpPr>
         <p:spPr>
           <a:xfrm flipV="1">
-            <a:off x="5739062" y="2666991"/>
+            <a:off x="5739062" y="2771264"/>
             <a:ext cx="268717" cy="4012"/>
           </a:xfrm>
           <a:prstGeom prst="line">
@@ -6121,7 +6121,7 @@
         </p:nvCxnSpPr>
         <p:spPr>
           <a:xfrm flipV="1">
-            <a:off x="6007779" y="1995315"/>
+            <a:off x="6007779" y="2099588"/>
             <a:ext cx="0" cy="846009"/>
           </a:xfrm>
           <a:prstGeom prst="line">
@@ -6159,7 +6159,7 @@
         </p:nvCxnSpPr>
         <p:spPr>
           <a:xfrm>
-            <a:off x="6007779" y="1995315"/>
+            <a:off x="6007779" y="2099588"/>
             <a:ext cx="88250" cy="1"/>
           </a:xfrm>
           <a:prstGeom prst="line">
@@ -6197,7 +6197,7 @@
         </p:nvCxnSpPr>
         <p:spPr>
           <a:xfrm flipH="1" flipV="1">
-            <a:off x="6007779" y="2426359"/>
+            <a:off x="6007779" y="2530632"/>
             <a:ext cx="88250" cy="1"/>
           </a:xfrm>
           <a:prstGeom prst="line">
@@ -6237,7 +6237,7 @@
         </p:nvCxnSpPr>
         <p:spPr>
           <a:xfrm>
-            <a:off x="6007779" y="2841324"/>
+            <a:off x="6007779" y="2945597"/>
             <a:ext cx="0" cy="0"/>
           </a:xfrm>
           <a:prstGeom prst="line">
@@ -6276,7 +6276,7 @@
         </p:nvCxnSpPr>
         <p:spPr>
           <a:xfrm>
-            <a:off x="6007779" y="2841324"/>
+            <a:off x="6007779" y="2945597"/>
             <a:ext cx="0" cy="0"/>
           </a:xfrm>
           <a:prstGeom prst="line">
@@ -6315,7 +6315,7 @@
         </p:nvCxnSpPr>
         <p:spPr>
           <a:xfrm flipH="1" flipV="1">
-            <a:off x="6007779" y="2841324"/>
+            <a:off x="6007779" y="2945597"/>
             <a:ext cx="101213" cy="13557"/>
           </a:xfrm>
           <a:prstGeom prst="line">
@@ -6351,7 +6351,7 @@
         </p:nvGrpSpPr>
         <p:grpSpPr>
           <a:xfrm>
-            <a:off x="2313570" y="193543"/>
+            <a:off x="2313570" y="297816"/>
             <a:ext cx="671717" cy="296947"/>
             <a:chOff x="274757" y="2238874"/>
             <a:chExt cx="671717" cy="296947"/>
@@ -6455,7 +6455,7 @@
         </p:nvGrpSpPr>
         <p:grpSpPr>
           <a:xfrm>
-            <a:off x="2359655" y="536902"/>
+            <a:off x="2359655" y="641175"/>
             <a:ext cx="625632" cy="296947"/>
             <a:chOff x="320842" y="2238874"/>
             <a:chExt cx="625632" cy="296947"/>
@@ -6559,7 +6559,7 @@
         </p:nvGrpSpPr>
         <p:grpSpPr>
           <a:xfrm>
-            <a:off x="2344117" y="891289"/>
+            <a:off x="2344117" y="995562"/>
             <a:ext cx="625632" cy="296947"/>
             <a:chOff x="320842" y="2238874"/>
             <a:chExt cx="625632" cy="296947"/>
@@ -6663,7 +6663,7 @@
         </p:nvGrpSpPr>
         <p:grpSpPr>
           <a:xfrm>
-            <a:off x="2344117" y="1237655"/>
+            <a:off x="2344117" y="1341928"/>
             <a:ext cx="625632" cy="296947"/>
             <a:chOff x="320842" y="2238874"/>
             <a:chExt cx="625632" cy="296947"/>
@@ -6767,7 +6767,7 @@
         </p:nvGrpSpPr>
         <p:grpSpPr>
           <a:xfrm>
-            <a:off x="3487121" y="197377"/>
+            <a:off x="3487121" y="301650"/>
             <a:ext cx="625632" cy="296947"/>
             <a:chOff x="320842" y="2238874"/>
             <a:chExt cx="625632" cy="296947"/>
@@ -6871,7 +6871,7 @@
         </p:nvGrpSpPr>
         <p:grpSpPr>
           <a:xfrm>
-            <a:off x="3487121" y="544923"/>
+            <a:off x="3487121" y="649196"/>
             <a:ext cx="625632" cy="296947"/>
             <a:chOff x="320842" y="2238874"/>
             <a:chExt cx="625632" cy="296947"/>
@@ -6979,7 +6979,7 @@
         </p:nvCxnSpPr>
         <p:spPr>
           <a:xfrm flipH="1">
-            <a:off x="2954211" y="1373676"/>
+            <a:off x="2954211" y="1477949"/>
             <a:ext cx="509880" cy="2422"/>
           </a:xfrm>
           <a:prstGeom prst="line">
@@ -7019,7 +7019,7 @@
         </p:nvCxnSpPr>
         <p:spPr>
           <a:xfrm flipV="1">
-            <a:off x="2969749" y="1038631"/>
+            <a:off x="2969749" y="1142904"/>
             <a:ext cx="517371" cy="1132"/>
           </a:xfrm>
           <a:prstGeom prst="line">
@@ -7059,7 +7059,7 @@
         </p:nvCxnSpPr>
         <p:spPr>
           <a:xfrm>
-            <a:off x="2985287" y="342017"/>
+            <a:off x="2985287" y="446290"/>
             <a:ext cx="501834" cy="3834"/>
           </a:xfrm>
           <a:prstGeom prst="line">
@@ -7099,7 +7099,7 @@
         </p:nvCxnSpPr>
         <p:spPr>
           <a:xfrm flipH="1">
-            <a:off x="2985287" y="683366"/>
+            <a:off x="2985287" y="787639"/>
             <a:ext cx="517370" cy="2010"/>
           </a:xfrm>
           <a:prstGeom prst="line">
@@ -7135,7 +7135,7 @@
         </p:nvGrpSpPr>
         <p:grpSpPr>
           <a:xfrm>
-            <a:off x="3487120" y="890157"/>
+            <a:off x="3487120" y="994430"/>
             <a:ext cx="625632" cy="296947"/>
             <a:chOff x="320842" y="2238874"/>
             <a:chExt cx="625632" cy="296947"/>
@@ -7239,7 +7239,7 @@
         </p:nvGrpSpPr>
         <p:grpSpPr>
           <a:xfrm>
-            <a:off x="3464091" y="1234065"/>
+            <a:off x="3464091" y="1338338"/>
             <a:ext cx="679279" cy="296947"/>
             <a:chOff x="297813" y="2238874"/>
             <a:chExt cx="679279" cy="296947"/>
@@ -7339,14 +7339,15 @@
             </a:extLst>
           </p:cNvPr>
           <p:cNvCxnSpPr>
+            <a:cxnSpLocks/>
             <a:stCxn id="9" idx="0"/>
           </p:cNvCxnSpPr>
           <p:nvPr/>
         </p:nvCxnSpPr>
         <p:spPr>
-          <a:xfrm flipH="1" flipV="1">
-            <a:off x="3239003" y="343934"/>
-            <a:ext cx="1" cy="1308395"/>
+          <a:xfrm flipV="1">
+            <a:off x="3239004" y="366356"/>
+            <a:ext cx="12485" cy="1390246"/>
           </a:xfrm>
           <a:prstGeom prst="line">
             <a:avLst/>
@@ -7381,7 +7382,7 @@
         </p:nvGrpSpPr>
         <p:grpSpPr>
           <a:xfrm>
-            <a:off x="5998312" y="5882321"/>
+            <a:off x="5998312" y="5986594"/>
             <a:ext cx="633149" cy="296947"/>
             <a:chOff x="313325" y="2238874"/>
             <a:chExt cx="633149" cy="296947"/>
@@ -7485,7 +7486,7 @@
         </p:nvGrpSpPr>
         <p:grpSpPr>
           <a:xfrm>
-            <a:off x="6677112" y="5887320"/>
+            <a:off x="6677112" y="5991593"/>
             <a:ext cx="625632" cy="296947"/>
             <a:chOff x="320842" y="2238874"/>
             <a:chExt cx="625632" cy="296947"/>
@@ -7589,7 +7590,7 @@
         </p:nvGrpSpPr>
         <p:grpSpPr>
           <a:xfrm>
-            <a:off x="7352982" y="5886155"/>
+            <a:off x="7352982" y="5990428"/>
             <a:ext cx="625632" cy="296947"/>
             <a:chOff x="320842" y="2238874"/>
             <a:chExt cx="625632" cy="296947"/>
@@ -7693,7 +7694,7 @@
         </p:nvGrpSpPr>
         <p:grpSpPr>
           <a:xfrm>
-            <a:off x="8027013" y="5876124"/>
+            <a:off x="8027013" y="5980397"/>
             <a:ext cx="625632" cy="296947"/>
             <a:chOff x="320842" y="2238874"/>
             <a:chExt cx="625632" cy="296947"/>
@@ -7797,7 +7798,7 @@
         </p:nvGrpSpPr>
         <p:grpSpPr>
           <a:xfrm>
-            <a:off x="6005829" y="6399615"/>
+            <a:off x="6005829" y="6503888"/>
             <a:ext cx="625632" cy="296947"/>
             <a:chOff x="320842" y="2238874"/>
             <a:chExt cx="625632" cy="296947"/>
@@ -7901,7 +7902,7 @@
         </p:nvGrpSpPr>
         <p:grpSpPr>
           <a:xfrm>
-            <a:off x="6677111" y="6407253"/>
+            <a:off x="6677111" y="6511526"/>
             <a:ext cx="625632" cy="296947"/>
             <a:chOff x="320842" y="2238874"/>
             <a:chExt cx="625632" cy="296947"/>
@@ -8005,7 +8006,7 @@
         </p:nvGrpSpPr>
         <p:grpSpPr>
           <a:xfrm>
-            <a:off x="7357181" y="6405853"/>
+            <a:off x="7357181" y="6510126"/>
             <a:ext cx="625632" cy="296947"/>
             <a:chOff x="320842" y="2238874"/>
             <a:chExt cx="625632" cy="296947"/>
@@ -8109,7 +8110,7 @@
         </p:nvGrpSpPr>
         <p:grpSpPr>
           <a:xfrm>
-            <a:off x="8011416" y="6397222"/>
+            <a:off x="8011416" y="6501495"/>
             <a:ext cx="679279" cy="296947"/>
             <a:chOff x="297813" y="2238874"/>
             <a:chExt cx="679279" cy="296947"/>
@@ -8215,7 +8216,7 @@
         </p:nvCxnSpPr>
         <p:spPr>
           <a:xfrm flipV="1">
-            <a:off x="5743071" y="6284487"/>
+            <a:off x="5743071" y="6388760"/>
             <a:ext cx="2613747" cy="2"/>
           </a:xfrm>
           <a:prstGeom prst="line">
@@ -8255,7 +8256,7 @@
         </p:nvCxnSpPr>
         <p:spPr>
           <a:xfrm>
-            <a:off x="6314501" y="6156153"/>
+            <a:off x="6314501" y="6260426"/>
             <a:ext cx="4143" cy="251100"/>
           </a:xfrm>
           <a:prstGeom prst="line">
@@ -8294,7 +8295,7 @@
         </p:nvCxnSpPr>
         <p:spPr>
           <a:xfrm flipH="1">
-            <a:off x="6989926" y="6184267"/>
+            <a:off x="6989926" y="6288540"/>
             <a:ext cx="2" cy="230624"/>
           </a:xfrm>
           <a:prstGeom prst="line">
@@ -8334,7 +8335,7 @@
         </p:nvCxnSpPr>
         <p:spPr>
           <a:xfrm>
-            <a:off x="7665798" y="6183102"/>
+            <a:off x="7665798" y="6287375"/>
             <a:ext cx="4198" cy="230389"/>
           </a:xfrm>
           <a:prstGeom prst="line">
@@ -8373,7 +8374,7 @@
         </p:nvCxnSpPr>
         <p:spPr>
           <a:xfrm>
-            <a:off x="8339829" y="6173071"/>
+            <a:off x="8339829" y="6277344"/>
             <a:ext cx="7432" cy="224151"/>
           </a:xfrm>
           <a:prstGeom prst="line">
@@ -8409,7 +8410,7 @@
         </p:nvGrpSpPr>
         <p:grpSpPr>
           <a:xfrm>
-            <a:off x="5937112" y="4284099"/>
+            <a:off x="5937112" y="4388372"/>
             <a:ext cx="687437" cy="296947"/>
             <a:chOff x="282370" y="2238874"/>
             <a:chExt cx="687437" cy="296947"/>
@@ -8514,7 +8515,7 @@
         </p:nvGrpSpPr>
         <p:grpSpPr>
           <a:xfrm>
-            <a:off x="6612153" y="4275606"/>
+            <a:off x="6612153" y="4379879"/>
             <a:ext cx="721522" cy="296947"/>
             <a:chOff x="275188" y="2238874"/>
             <a:chExt cx="721522" cy="296947"/>
@@ -8618,7 +8619,7 @@
         </p:nvGrpSpPr>
         <p:grpSpPr>
           <a:xfrm>
-            <a:off x="7287237" y="4275396"/>
+            <a:off x="7287237" y="4379669"/>
             <a:ext cx="883382" cy="438525"/>
             <a:chOff x="270603" y="2238874"/>
             <a:chExt cx="731702" cy="438525"/>
@@ -8722,7 +8723,7 @@
         </p:nvGrpSpPr>
         <p:grpSpPr>
           <a:xfrm>
-            <a:off x="5921371" y="4772435"/>
+            <a:off x="5921371" y="4876708"/>
             <a:ext cx="735544" cy="296947"/>
             <a:chOff x="266404" y="2238874"/>
             <a:chExt cx="741256" cy="296947"/>
@@ -8826,7 +8827,7 @@
         </p:nvGrpSpPr>
         <p:grpSpPr>
           <a:xfrm>
-            <a:off x="6638746" y="4779384"/>
+            <a:off x="6638746" y="4883657"/>
             <a:ext cx="676947" cy="296947"/>
             <a:chOff x="313347" y="2238874"/>
             <a:chExt cx="648662" cy="296947"/>
@@ -8931,7 +8932,7 @@
         </p:nvGrpSpPr>
         <p:grpSpPr>
           <a:xfrm>
-            <a:off x="7402826" y="4772435"/>
+            <a:off x="7402826" y="4876708"/>
             <a:ext cx="564548" cy="296947"/>
             <a:chOff x="320842" y="2238874"/>
             <a:chExt cx="625632" cy="296947"/>
@@ -9038,7 +9039,7 @@
         </p:nvCxnSpPr>
         <p:spPr>
           <a:xfrm>
-            <a:off x="5739062" y="4648194"/>
+            <a:off x="5739062" y="4752467"/>
             <a:ext cx="2921015" cy="27968"/>
           </a:xfrm>
           <a:prstGeom prst="line">
@@ -9078,7 +9079,7 @@
         </p:nvCxnSpPr>
         <p:spPr>
           <a:xfrm>
-            <a:off x="6970623" y="4572553"/>
+            <a:off x="6970623" y="4676826"/>
             <a:ext cx="2402" cy="206831"/>
           </a:xfrm>
           <a:prstGeom prst="line">
@@ -9118,7 +9119,7 @@
         </p:nvCxnSpPr>
         <p:spPr>
           <a:xfrm flipH="1">
-            <a:off x="6285796" y="4581046"/>
+            <a:off x="6285796" y="4685319"/>
             <a:ext cx="2604" cy="191389"/>
           </a:xfrm>
           <a:prstGeom prst="line">
@@ -9158,7 +9159,7 @@
         </p:nvCxnSpPr>
         <p:spPr>
           <a:xfrm>
-            <a:off x="7728928" y="4713921"/>
+            <a:off x="7728928" y="4818194"/>
             <a:ext cx="0" cy="0"/>
           </a:xfrm>
           <a:prstGeom prst="line">
@@ -9197,7 +9198,7 @@
         </p:nvCxnSpPr>
         <p:spPr>
           <a:xfrm flipH="1" flipV="1">
-            <a:off x="7684930" y="4572343"/>
+            <a:off x="7684930" y="4676616"/>
             <a:ext cx="169" cy="207730"/>
           </a:xfrm>
           <a:prstGeom prst="line">
@@ -9233,7 +9234,7 @@
         </p:nvGrpSpPr>
         <p:grpSpPr>
           <a:xfrm>
-            <a:off x="1011205" y="5021094"/>
+            <a:off x="1011205" y="5125367"/>
             <a:ext cx="660470" cy="296947"/>
             <a:chOff x="298319" y="2238874"/>
             <a:chExt cx="660470" cy="296947"/>
@@ -9338,7 +9339,7 @@
         </p:nvGrpSpPr>
         <p:grpSpPr>
           <a:xfrm>
-            <a:off x="1743798" y="4858410"/>
+            <a:off x="1743798" y="4962683"/>
             <a:ext cx="837251" cy="614229"/>
             <a:chOff x="264583" y="2238874"/>
             <a:chExt cx="707709" cy="446546"/>
@@ -9442,7 +9443,7 @@
         </p:nvGrpSpPr>
         <p:grpSpPr>
           <a:xfrm>
-            <a:off x="989237" y="5538388"/>
+            <a:off x="989237" y="5642661"/>
             <a:ext cx="700235" cy="296947"/>
             <a:chOff x="276351" y="2238874"/>
             <a:chExt cx="700235" cy="296947"/>
@@ -9551,7 +9552,7 @@
         </p:nvCxnSpPr>
         <p:spPr>
           <a:xfrm flipH="1">
-            <a:off x="1339355" y="5294926"/>
+            <a:off x="1339355" y="5399199"/>
             <a:ext cx="2085" cy="251100"/>
           </a:xfrm>
           <a:prstGeom prst="line">
@@ -9591,7 +9592,7 @@
         </p:nvCxnSpPr>
         <p:spPr>
           <a:xfrm flipH="1">
-            <a:off x="2180429" y="5266864"/>
+            <a:off x="2180429" y="5371137"/>
             <a:ext cx="1" cy="274308"/>
           </a:xfrm>
           <a:prstGeom prst="line">
@@ -9629,7 +9630,7 @@
         </p:nvCxnSpPr>
         <p:spPr>
           <a:xfrm flipH="1" flipV="1">
-            <a:off x="1062682" y="5403691"/>
+            <a:off x="1062682" y="5507964"/>
             <a:ext cx="1599306" cy="6508"/>
           </a:xfrm>
           <a:prstGeom prst="line">
@@ -9665,7 +9666,7 @@
         </p:nvGrpSpPr>
         <p:grpSpPr>
           <a:xfrm>
-            <a:off x="7317771" y="2495152"/>
+            <a:off x="7317771" y="2599425"/>
             <a:ext cx="658850" cy="296947"/>
             <a:chOff x="294844" y="2238874"/>
             <a:chExt cx="658850" cy="296947"/>
@@ -9770,7 +9771,7 @@
         </p:nvGrpSpPr>
         <p:grpSpPr>
           <a:xfrm>
-            <a:off x="7343769" y="2918721"/>
+            <a:off x="7343769" y="3022994"/>
             <a:ext cx="625632" cy="296947"/>
             <a:chOff x="320842" y="2238874"/>
             <a:chExt cx="625632" cy="296947"/>
@@ -9874,7 +9875,7 @@
         </p:nvGrpSpPr>
         <p:grpSpPr>
           <a:xfrm>
-            <a:off x="8407067" y="2498986"/>
+            <a:off x="8407067" y="2603259"/>
             <a:ext cx="625632" cy="296947"/>
             <a:chOff x="320842" y="2238874"/>
             <a:chExt cx="625632" cy="296947"/>
@@ -9978,7 +9979,7 @@
         </p:nvGrpSpPr>
         <p:grpSpPr>
           <a:xfrm>
-            <a:off x="8271655" y="2926742"/>
+            <a:off x="8271655" y="3031015"/>
             <a:ext cx="943524" cy="296947"/>
             <a:chOff x="245582" y="2238874"/>
             <a:chExt cx="812190" cy="296947"/>
@@ -10086,7 +10087,7 @@
         </p:nvCxnSpPr>
         <p:spPr>
           <a:xfrm>
-            <a:off x="7969401" y="2643626"/>
+            <a:off x="7969401" y="2747899"/>
             <a:ext cx="437666" cy="3834"/>
           </a:xfrm>
           <a:prstGeom prst="line">
@@ -10125,7 +10126,7 @@
         </p:nvCxnSpPr>
         <p:spPr>
           <a:xfrm flipH="1" flipV="1">
-            <a:off x="7953863" y="3057164"/>
+            <a:off x="7953863" y="3161437"/>
             <a:ext cx="398002" cy="8022"/>
           </a:xfrm>
           <a:prstGeom prst="line">
@@ -10164,7 +10165,7 @@
         </p:nvCxnSpPr>
         <p:spPr>
           <a:xfrm flipH="1" flipV="1">
-            <a:off x="8217599" y="2660930"/>
+            <a:off x="8217599" y="2765203"/>
             <a:ext cx="28058" cy="701888"/>
           </a:xfrm>
           <a:prstGeom prst="line">
@@ -10200,7 +10201,7 @@
         </p:nvSpPr>
         <p:spPr>
           <a:xfrm>
-            <a:off x="1229475" y="2217108"/>
+            <a:off x="1229475" y="2321381"/>
             <a:ext cx="465238" cy="276999"/>
           </a:xfrm>
           <a:prstGeom prst="rect">
@@ -10236,7 +10237,7 @@
         </p:nvSpPr>
         <p:spPr>
           <a:xfrm>
-            <a:off x="2225344" y="1647378"/>
+            <a:off x="2225344" y="1751651"/>
             <a:ext cx="465238" cy="276999"/>
           </a:xfrm>
           <a:prstGeom prst="rect">
@@ -10272,7 +10273,7 @@
         </p:nvSpPr>
         <p:spPr>
           <a:xfrm>
-            <a:off x="4824169" y="2222210"/>
+            <a:off x="4824169" y="2326483"/>
             <a:ext cx="465238" cy="276999"/>
           </a:xfrm>
           <a:prstGeom prst="rect">
@@ -10308,7 +10309,7 @@
         </p:nvSpPr>
         <p:spPr>
           <a:xfrm>
-            <a:off x="3789435" y="1647377"/>
+            <a:off x="3789435" y="1751650"/>
             <a:ext cx="465238" cy="276999"/>
           </a:xfrm>
           <a:prstGeom prst="rect">
@@ -10344,7 +10345,7 @@
         </p:nvSpPr>
         <p:spPr>
           <a:xfrm>
-            <a:off x="1775369" y="2449102"/>
+            <a:off x="1775369" y="2553375"/>
             <a:ext cx="465238" cy="276999"/>
           </a:xfrm>
           <a:prstGeom prst="rect">
@@ -10380,7 +10381,7 @@
         </p:nvSpPr>
         <p:spPr>
           <a:xfrm>
-            <a:off x="4236069" y="2440718"/>
+            <a:off x="4236069" y="2544991"/>
             <a:ext cx="465238" cy="276999"/>
           </a:xfrm>
           <a:prstGeom prst="rect">
@@ -10416,7 +10417,7 @@
         </p:nvSpPr>
         <p:spPr>
           <a:xfrm>
-            <a:off x="4824165" y="2849858"/>
+            <a:off x="4824165" y="2954131"/>
             <a:ext cx="465238" cy="276999"/>
           </a:xfrm>
           <a:prstGeom prst="rect">
@@ -10452,7 +10453,7 @@
         </p:nvSpPr>
         <p:spPr>
           <a:xfrm>
-            <a:off x="4824165" y="4216894"/>
+            <a:off x="4824165" y="4321167"/>
             <a:ext cx="465238" cy="276999"/>
           </a:xfrm>
           <a:prstGeom prst="rect">
@@ -10488,7 +10489,7 @@
         </p:nvSpPr>
         <p:spPr>
           <a:xfrm>
-            <a:off x="5435049" y="4087032"/>
+            <a:off x="5435049" y="4191305"/>
             <a:ext cx="465238" cy="276999"/>
           </a:xfrm>
           <a:prstGeom prst="rect">
@@ -10524,7 +10525,7 @@
         </p:nvSpPr>
         <p:spPr>
           <a:xfrm>
-            <a:off x="7286701" y="3365334"/>
+            <a:off x="7286701" y="3469607"/>
             <a:ext cx="465238" cy="276999"/>
           </a:xfrm>
           <a:prstGeom prst="rect">
@@ -10560,7 +10561,7 @@
         </p:nvSpPr>
         <p:spPr>
           <a:xfrm>
-            <a:off x="5066255" y="4858410"/>
+            <a:off x="5066255" y="4962683"/>
             <a:ext cx="465238" cy="276999"/>
           </a:xfrm>
           <a:prstGeom prst="rect">
@@ -10596,7 +10597,7 @@
         </p:nvSpPr>
         <p:spPr>
           <a:xfrm>
-            <a:off x="5090837" y="5855095"/>
+            <a:off x="5090837" y="5959368"/>
             <a:ext cx="465238" cy="276999"/>
           </a:xfrm>
           <a:prstGeom prst="rect">
@@ -10632,7 +10633,7 @@
         </p:nvSpPr>
         <p:spPr>
           <a:xfrm>
-            <a:off x="3390979" y="5578096"/>
+            <a:off x="3390979" y="5682369"/>
             <a:ext cx="465238" cy="276999"/>
           </a:xfrm>
           <a:prstGeom prst="rect">
@@ -10668,7 +10669,7 @@
         </p:nvSpPr>
         <p:spPr>
           <a:xfrm>
-            <a:off x="4224314" y="6067920"/>
+            <a:off x="4224314" y="6172193"/>
             <a:ext cx="465238" cy="276999"/>
           </a:xfrm>
           <a:prstGeom prst="rect">
@@ -10704,7 +10705,7 @@
         </p:nvGrpSpPr>
         <p:grpSpPr>
           <a:xfrm>
-            <a:off x="8032121" y="4283714"/>
+            <a:off x="8032121" y="4387987"/>
             <a:ext cx="1187085" cy="296947"/>
             <a:chOff x="231349" y="2238874"/>
             <a:chExt cx="781518" cy="296947"/>
@@ -10809,7 +10810,7 @@
         </p:nvGrpSpPr>
         <p:grpSpPr>
           <a:xfrm>
-            <a:off x="8031951" y="4770776"/>
+            <a:off x="8031951" y="4875049"/>
             <a:ext cx="1187085" cy="296947"/>
             <a:chOff x="231349" y="2238874"/>
             <a:chExt cx="781518" cy="296947"/>
@@ -10918,7 +10919,7 @@
         </p:nvCxnSpPr>
         <p:spPr>
           <a:xfrm flipV="1">
-            <a:off x="8643037" y="4580661"/>
+            <a:off x="8643037" y="4684934"/>
             <a:ext cx="170" cy="190115"/>
           </a:xfrm>
           <a:prstGeom prst="line">
@@ -10954,7 +10955,7 @@
         </p:nvGrpSpPr>
         <p:grpSpPr>
           <a:xfrm>
-            <a:off x="2607329" y="3485143"/>
+            <a:off x="2607329" y="3589416"/>
             <a:ext cx="1255293" cy="481263"/>
             <a:chOff x="4483769" y="1820775"/>
             <a:chExt cx="1255293" cy="481263"/>
@@ -11071,7 +11072,7 @@
         </p:nvCxnSpPr>
         <p:spPr>
           <a:xfrm flipV="1">
-            <a:off x="1839878" y="2838144"/>
+            <a:off x="1839878" y="2942417"/>
             <a:ext cx="473692" cy="1"/>
           </a:xfrm>
           <a:prstGeom prst="line">
@@ -11109,7 +11110,7 @@
         </p:nvCxnSpPr>
         <p:spPr>
           <a:xfrm flipH="1" flipV="1">
-            <a:off x="2309977" y="2842061"/>
+            <a:off x="2309977" y="2946334"/>
             <a:ext cx="10365" cy="883429"/>
           </a:xfrm>
           <a:prstGeom prst="line">
@@ -11147,7 +11148,7 @@
         </p:nvCxnSpPr>
         <p:spPr>
           <a:xfrm>
-            <a:off x="2327469" y="3725491"/>
+            <a:off x="2327469" y="3829764"/>
             <a:ext cx="255825" cy="0"/>
           </a:xfrm>
           <a:prstGeom prst="line">
@@ -11186,7 +11187,7 @@
         </p:nvCxnSpPr>
         <p:spPr>
           <a:xfrm>
-            <a:off x="3862622" y="3725775"/>
+            <a:off x="3862622" y="3830048"/>
             <a:ext cx="491304" cy="0"/>
           </a:xfrm>
           <a:prstGeom prst="line">
@@ -11222,7 +11223,7 @@
         </p:nvSpPr>
         <p:spPr>
           <a:xfrm>
-            <a:off x="1783137" y="2622552"/>
+            <a:off x="1783137" y="2726825"/>
             <a:ext cx="465238" cy="276999"/>
           </a:xfrm>
           <a:prstGeom prst="rect">
@@ -11258,7 +11259,7 @@
         </p:nvGrpSpPr>
         <p:grpSpPr>
           <a:xfrm>
-            <a:off x="1372549" y="3850611"/>
+            <a:off x="1372549" y="3954884"/>
             <a:ext cx="800146" cy="296947"/>
             <a:chOff x="239112" y="2238874"/>
             <a:chExt cx="800146" cy="296947"/>
@@ -11364,7 +11365,7 @@
         </p:nvCxnSpPr>
         <p:spPr>
           <a:xfrm>
-            <a:off x="1000918" y="3984399"/>
+            <a:off x="1000918" y="4088672"/>
             <a:ext cx="437666" cy="3834"/>
           </a:xfrm>
           <a:prstGeom prst="line">
@@ -11402,7 +11403,7 @@
         </p:nvCxnSpPr>
         <p:spPr>
           <a:xfrm>
-            <a:off x="997919" y="4434884"/>
+            <a:off x="997919" y="4539157"/>
             <a:ext cx="437666" cy="3834"/>
           </a:xfrm>
           <a:prstGeom prst="line">
@@ -11438,7 +11439,7 @@
         </p:nvCxnSpPr>
         <p:spPr>
           <a:xfrm>
-            <a:off x="2455381" y="2143789"/>
+            <a:off x="2455381" y="2248062"/>
             <a:ext cx="0" cy="983068"/>
           </a:xfrm>
           <a:prstGeom prst="line">
@@ -11479,7 +11480,7 @@
         </p:nvCxnSpPr>
         <p:spPr>
           <a:xfrm>
-            <a:off x="5792141" y="2142013"/>
+            <a:off x="5792141" y="2246286"/>
             <a:ext cx="4541" cy="2767206"/>
           </a:xfrm>
           <a:prstGeom prst="line">
@@ -11520,7 +11521,7 @@
         </p:nvCxnSpPr>
         <p:spPr>
           <a:xfrm flipH="1">
-            <a:off x="2455381" y="2142013"/>
+            <a:off x="2455381" y="2246286"/>
             <a:ext cx="3345841" cy="1776"/>
           </a:xfrm>
           <a:prstGeom prst="line">
@@ -11561,7 +11562,7 @@
         </p:nvCxnSpPr>
         <p:spPr>
           <a:xfrm flipH="1">
-            <a:off x="4353926" y="4893801"/>
+            <a:off x="4353926" y="4998074"/>
             <a:ext cx="1440485" cy="0"/>
           </a:xfrm>
           <a:prstGeom prst="line">
@@ -11602,7 +11603,7 @@
         </p:nvCxnSpPr>
         <p:spPr>
           <a:xfrm flipH="1">
-            <a:off x="4340330" y="3134806"/>
+            <a:off x="4340330" y="3239079"/>
             <a:ext cx="5998" cy="1757758"/>
           </a:xfrm>
           <a:prstGeom prst="line">
@@ -11643,7 +11644,7 @@
         </p:nvCxnSpPr>
         <p:spPr>
           <a:xfrm flipH="1" flipV="1">
-            <a:off x="2446429" y="3122586"/>
+            <a:off x="2446429" y="3226859"/>
             <a:ext cx="1896900" cy="16194"/>
           </a:xfrm>
           <a:prstGeom prst="line">
@@ -11682,7 +11683,7 @@
         </p:nvGrpSpPr>
         <p:grpSpPr>
           <a:xfrm>
-            <a:off x="241473" y="5188247"/>
+            <a:off x="241473" y="5292520"/>
             <a:ext cx="837251" cy="453997"/>
             <a:chOff x="264583" y="2221231"/>
             <a:chExt cx="707709" cy="314590"/>
@@ -11772,6 +11773,253 @@
           </p:txBody>
         </p:sp>
       </p:grpSp>
+      <p:grpSp>
+        <p:nvGrpSpPr>
+          <p:cNvPr id="295" name="Group 294">
+            <a:extLst>
+              <a:ext uri="{FF2B5EF4-FFF2-40B4-BE49-F238E27FC236}">
+                <a16:creationId xmlns:a16="http://schemas.microsoft.com/office/drawing/2014/main" id="{6BB04A53-1653-473E-B358-6B81162800CD}"/>
+              </a:ext>
+            </a:extLst>
+          </p:cNvPr>
+          <p:cNvGrpSpPr/>
+          <p:nvPr/>
+        </p:nvGrpSpPr>
+        <p:grpSpPr>
+          <a:xfrm>
+            <a:off x="391336" y="4783671"/>
+            <a:ext cx="625632" cy="296947"/>
+            <a:chOff x="320842" y="2238874"/>
+            <a:chExt cx="625632" cy="296947"/>
+          </a:xfrm>
+        </p:grpSpPr>
+        <p:sp>
+          <p:nvSpPr>
+            <p:cNvPr id="296" name="Oval 295">
+              <a:extLst>
+                <a:ext uri="{FF2B5EF4-FFF2-40B4-BE49-F238E27FC236}">
+                  <a16:creationId xmlns:a16="http://schemas.microsoft.com/office/drawing/2014/main" id="{CD2F943F-545D-4009-87EF-83E8F24AE4F2}"/>
+                </a:ext>
+              </a:extLst>
+            </p:cNvPr>
+            <p:cNvSpPr/>
+            <p:nvPr/>
+          </p:nvSpPr>
+          <p:spPr>
+            <a:xfrm>
+              <a:off x="320842" y="2238874"/>
+              <a:ext cx="625632" cy="296947"/>
+            </a:xfrm>
+            <a:prstGeom prst="ellipse">
+              <a:avLst/>
+            </a:prstGeom>
+            <a:noFill/>
+          </p:spPr>
+          <p:style>
+            <a:lnRef idx="2">
+              <a:schemeClr val="accent1">
+                <a:shade val="50000"/>
+              </a:schemeClr>
+            </a:lnRef>
+            <a:fillRef idx="1">
+              <a:schemeClr val="accent1"/>
+            </a:fillRef>
+            <a:effectRef idx="0">
+              <a:schemeClr val="accent1"/>
+            </a:effectRef>
+            <a:fontRef idx="minor">
+              <a:schemeClr val="lt1"/>
+            </a:fontRef>
+          </p:style>
+          <p:txBody>
+            <a:bodyPr rtlCol="0" anchor="ctr"/>
+            <a:lstStyle/>
+            <a:p>
+              <a:pPr algn="ctr"/>
+              <a:endParaRPr lang="en-US"/>
+            </a:p>
+          </p:txBody>
+        </p:sp>
+        <p:sp>
+          <p:nvSpPr>
+            <p:cNvPr id="297" name="TextBox 296">
+              <a:extLst>
+                <a:ext uri="{FF2B5EF4-FFF2-40B4-BE49-F238E27FC236}">
+                  <a16:creationId xmlns:a16="http://schemas.microsoft.com/office/drawing/2014/main" id="{BEADFDDC-1EDA-4D58-9D75-12942FB9598D}"/>
+                </a:ext>
+              </a:extLst>
+            </p:cNvPr>
+            <p:cNvSpPr txBox="1"/>
+            <p:nvPr/>
+          </p:nvSpPr>
+          <p:spPr>
+            <a:xfrm>
+              <a:off x="336378" y="2246512"/>
+              <a:ext cx="594558" cy="261610"/>
+            </a:xfrm>
+            <a:prstGeom prst="rect">
+              <a:avLst/>
+            </a:prstGeom>
+            <a:noFill/>
+          </p:spPr>
+          <p:txBody>
+            <a:bodyPr wrap="square" rtlCol="0">
+              <a:spAutoFit/>
+            </a:bodyPr>
+            <a:lstStyle/>
+            <a:p>
+              <a:pPr algn="ctr"/>
+              <a:r>
+                <a:rPr lang="en-US" sz="1100" dirty="0"/>
+                <a:t>Email</a:t>
+              </a:r>
+            </a:p>
+          </p:txBody>
+        </p:sp>
+      </p:grpSp>
+      <p:cxnSp>
+        <p:nvCxnSpPr>
+          <p:cNvPr id="298" name="Straight Connector 297">
+            <a:extLst>
+              <a:ext uri="{FF2B5EF4-FFF2-40B4-BE49-F238E27FC236}">
+                <a16:creationId xmlns:a16="http://schemas.microsoft.com/office/drawing/2014/main" id="{E57BCE83-2AA3-43DB-9CEB-E28CB47A66A1}"/>
+              </a:ext>
+            </a:extLst>
+          </p:cNvPr>
+          <p:cNvCxnSpPr>
+            <a:cxnSpLocks/>
+            <a:stCxn id="297" idx="3"/>
+          </p:cNvCxnSpPr>
+          <p:nvPr/>
+        </p:nvCxnSpPr>
+        <p:spPr>
+          <a:xfrm flipV="1">
+            <a:off x="1001430" y="4914557"/>
+            <a:ext cx="277928" cy="7557"/>
+          </a:xfrm>
+          <a:prstGeom prst="line">
+            <a:avLst/>
+          </a:prstGeom>
+        </p:spPr>
+        <p:style>
+          <a:lnRef idx="1">
+            <a:schemeClr val="accent1"/>
+          </a:lnRef>
+          <a:fillRef idx="0">
+            <a:schemeClr val="accent1"/>
+          </a:fillRef>
+          <a:effectRef idx="0">
+            <a:schemeClr val="accent1"/>
+          </a:effectRef>
+          <a:fontRef idx="minor">
+            <a:schemeClr val="tx1"/>
+          </a:fontRef>
+        </p:style>
+      </p:cxnSp>
+      <p:grpSp>
+        <p:nvGrpSpPr>
+          <p:cNvPr id="299" name="Group 298">
+            <a:extLst>
+              <a:ext uri="{FF2B5EF4-FFF2-40B4-BE49-F238E27FC236}">
+                <a16:creationId xmlns:a16="http://schemas.microsoft.com/office/drawing/2014/main" id="{3225E0BC-0DAD-446F-BBB2-D39C41D6F718}"/>
+              </a:ext>
+            </a:extLst>
+          </p:cNvPr>
+          <p:cNvGrpSpPr/>
+          <p:nvPr/>
+        </p:nvGrpSpPr>
+        <p:grpSpPr>
+          <a:xfrm>
+            <a:off x="2944164" y="63673"/>
+            <a:ext cx="625632" cy="296947"/>
+            <a:chOff x="320842" y="2238874"/>
+            <a:chExt cx="625632" cy="296947"/>
+          </a:xfrm>
+        </p:grpSpPr>
+        <p:sp>
+          <p:nvSpPr>
+            <p:cNvPr id="300" name="Oval 299">
+              <a:extLst>
+                <a:ext uri="{FF2B5EF4-FFF2-40B4-BE49-F238E27FC236}">
+                  <a16:creationId xmlns:a16="http://schemas.microsoft.com/office/drawing/2014/main" id="{B8438367-0219-44A2-8B13-631967D4588B}"/>
+                </a:ext>
+              </a:extLst>
+            </p:cNvPr>
+            <p:cNvSpPr/>
+            <p:nvPr/>
+          </p:nvSpPr>
+          <p:spPr>
+            <a:xfrm>
+              <a:off x="320842" y="2238874"/>
+              <a:ext cx="625632" cy="296947"/>
+            </a:xfrm>
+            <a:prstGeom prst="ellipse">
+              <a:avLst/>
+            </a:prstGeom>
+            <a:noFill/>
+          </p:spPr>
+          <p:style>
+            <a:lnRef idx="2">
+              <a:schemeClr val="accent1">
+                <a:shade val="50000"/>
+              </a:schemeClr>
+            </a:lnRef>
+            <a:fillRef idx="1">
+              <a:schemeClr val="accent1"/>
+            </a:fillRef>
+            <a:effectRef idx="0">
+              <a:schemeClr val="accent1"/>
+            </a:effectRef>
+            <a:fontRef idx="minor">
+              <a:schemeClr val="lt1"/>
+            </a:fontRef>
+          </p:style>
+          <p:txBody>
+            <a:bodyPr rtlCol="0" anchor="ctr"/>
+            <a:lstStyle/>
+            <a:p>
+              <a:pPr algn="ctr"/>
+              <a:endParaRPr lang="en-US"/>
+            </a:p>
+          </p:txBody>
+        </p:sp>
+        <p:sp>
+          <p:nvSpPr>
+            <p:cNvPr id="301" name="TextBox 300">
+              <a:extLst>
+                <a:ext uri="{FF2B5EF4-FFF2-40B4-BE49-F238E27FC236}">
+                  <a16:creationId xmlns:a16="http://schemas.microsoft.com/office/drawing/2014/main" id="{854FBC1F-0C55-4CA6-B40C-80F06C694A99}"/>
+                </a:ext>
+              </a:extLst>
+            </p:cNvPr>
+            <p:cNvSpPr txBox="1"/>
+            <p:nvPr/>
+          </p:nvSpPr>
+          <p:spPr>
+            <a:xfrm>
+              <a:off x="336378" y="2246512"/>
+              <a:ext cx="594558" cy="261610"/>
+            </a:xfrm>
+            <a:prstGeom prst="rect">
+              <a:avLst/>
+            </a:prstGeom>
+            <a:noFill/>
+          </p:spPr>
+          <p:txBody>
+            <a:bodyPr wrap="square" rtlCol="0">
+              <a:spAutoFit/>
+            </a:bodyPr>
+            <a:lstStyle/>
+            <a:p>
+              <a:pPr algn="ctr"/>
+              <a:r>
+                <a:rPr lang="en-US" sz="1100" dirty="0"/>
+                <a:t>Phone</a:t>
+              </a:r>
+            </a:p>
+          </p:txBody>
+        </p:sp>
+      </p:grpSp>
     </p:spTree>
     <p:extLst>
       <p:ext uri="{BB962C8B-B14F-4D97-AF65-F5344CB8AC3E}">
@@ -11804,49 +12052,32 @@
       </p:grpSpPr>
       <p:pic>
         <p:nvPicPr>
-          <p:cNvPr id="1026" name="Picture 2">
-            <a:extLst>
-              <a:ext uri="{FF2B5EF4-FFF2-40B4-BE49-F238E27FC236}">
-                <a16:creationId xmlns:a16="http://schemas.microsoft.com/office/drawing/2014/main" id="{77FB251F-2165-456C-87B0-4D31BF9CD0D9}"/>
+          <p:cNvPr id="3" name="Picture 2" descr="Diagram&#10;&#10;Description automatically generated">
+            <a:extLst>
+              <a:ext uri="{FF2B5EF4-FFF2-40B4-BE49-F238E27FC236}">
+                <a16:creationId xmlns:a16="http://schemas.microsoft.com/office/drawing/2014/main" id="{02516D4E-3845-450E-94CB-9227BF834069}"/>
               </a:ext>
             </a:extLst>
           </p:cNvPr>
           <p:cNvPicPr>
-            <a:picLocks noChangeAspect="1" noChangeArrowheads="1"/>
+            <a:picLocks noChangeAspect="1"/>
           </p:cNvPicPr>
           <p:nvPr/>
         </p:nvPicPr>
         <p:blipFill>
-          <a:blip r:embed="rId2">
-            <a:extLst>
-              <a:ext uri="{28A0092B-C50C-407E-A947-70E740481C1C}">
-                <a14:useLocalDpi xmlns:a14="http://schemas.microsoft.com/office/drawing/2010/main" val="0"/>
-              </a:ext>
-            </a:extLst>
-          </a:blip>
-          <a:srcRect/>
+          <a:blip r:embed="rId2"/>
           <a:stretch>
             <a:fillRect/>
           </a:stretch>
         </p:blipFill>
-        <p:spPr bwMode="auto">
-          <a:xfrm>
-            <a:off x="1243013" y="762000"/>
-            <a:ext cx="6657975" cy="5334000"/>
+        <p:spPr>
+          <a:xfrm>
+            <a:off x="1323521" y="747338"/>
+            <a:ext cx="6496957" cy="5363323"/>
           </a:xfrm>
           <a:prstGeom prst="rect">
             <a:avLst/>
           </a:prstGeom>
-          <a:noFill/>
-          <a:extLst>
-            <a:ext uri="{909E8E84-426E-40DD-AFC4-6F175D3DCCD1}">
-              <a14:hiddenFill xmlns:a14="http://schemas.microsoft.com/office/drawing/2010/main">
-                <a:solidFill>
-                  <a:srgbClr val="FFFFFF"/>
-                </a:solidFill>
-              </a14:hiddenFill>
-            </a:ext>
-          </a:extLst>
         </p:spPr>
       </p:pic>
     </p:spTree>
